--- a/03.包装对象和数据类型转换/03.包装对象.pptx
+++ b/03.包装对象和数据类型转换/03.包装对象.pptx
@@ -11,7 +11,7 @@
     <p:notesMasterId r:id="rId7"/>
   </p:notesMasterIdLst>
   <p:handoutMasterIdLst>
-    <p:handoutMasterId r:id="rId21"/>
+    <p:handoutMasterId r:id="rId24"/>
   </p:handoutMasterIdLst>
   <p:sldIdLst>
     <p:sldId id="284" r:id="rId6"/>
@@ -26,8 +26,11 @@
     <p:sldId id="969" r:id="rId16"/>
     <p:sldId id="941" r:id="rId17"/>
     <p:sldId id="942" r:id="rId18"/>
-    <p:sldId id="965" r:id="rId19"/>
-    <p:sldId id="862" r:id="rId20"/>
+    <p:sldId id="1076" r:id="rId19"/>
+    <p:sldId id="965" r:id="rId20"/>
+    <p:sldId id="1072" r:id="rId21"/>
+    <p:sldId id="1073" r:id="rId22"/>
+    <p:sldId id="862" r:id="rId23"/>
   </p:sldIdLst>
   <p:sldSz cx="12192000" cy="6858000"/>
   <p:notesSz cx="6858000" cy="9144000"/>
@@ -1067,6 +1070,50 @@
               <a:rPr lang="en-US" altLang="zh-CN"/>
               <a:t>1+[]</a:t>
             </a:r>
+            <a:endParaRPr lang="zh-CN" altLang="en-US"/>
+          </a:p>
+        </p:txBody>
+      </p:sp>
+    </p:spTree>
+  </p:cSld>
+  <p:clrMapOvr>
+    <a:masterClrMapping/>
+  </p:clrMapOvr>
+</p:notes>
+</file>
+
+<file path=ppt/notesSlides/notesSlide7.xml><?xml version="1.0" encoding="utf-8"?>
+<p:notes xmlns:a="http://schemas.openxmlformats.org/drawingml/2006/main" xmlns:r="http://schemas.openxmlformats.org/officeDocument/2006/relationships" xmlns:p="http://schemas.openxmlformats.org/presentationml/2006/main">
+  <p:cSld>
+    <p:spTree>
+      <p:nvGrpSpPr>
+        <p:cNvPr id="1" name=""/>
+        <p:cNvGrpSpPr/>
+        <p:nvPr/>
+      </p:nvGrpSpPr>
+      <p:grpSpPr/>
+      <p:sp>
+        <p:nvSpPr>
+          <p:cNvPr id="2" name="幻灯片图像占位符 1"/>
+          <p:cNvSpPr/>
+          <p:nvPr>
+            <p:ph type="sldImg" idx="2"/>
+          </p:nvPr>
+        </p:nvSpPr>
+        <p:spPr/>
+      </p:sp>
+      <p:sp>
+        <p:nvSpPr>
+          <p:cNvPr id="3" name="文本占位符 2"/>
+          <p:cNvSpPr/>
+          <p:nvPr>
+            <p:ph type="body" idx="3"/>
+          </p:nvPr>
+        </p:nvSpPr>
+        <p:spPr/>
+        <p:txBody>
+          <a:bodyPr/>
+          <a:p>
             <a:endParaRPr lang="zh-CN" altLang="en-US"/>
           </a:p>
         </p:txBody>
@@ -5706,6 +5753,158 @@
       <p:grpSpPr/>
       <p:sp>
         <p:nvSpPr>
+          <p:cNvPr id="2" name="内容占位符 1"/>
+          <p:cNvSpPr>
+            <a:spLocks noGrp="1"/>
+          </p:cNvSpPr>
+          <p:nvPr>
+            <p:ph sz="quarter" idx="10"/>
+          </p:nvPr>
+        </p:nvSpPr>
+        <p:spPr/>
+        <p:txBody>
+          <a:bodyPr/>
+          <a:p>
+            <a:r>
+              <a:rPr lang="en-US" altLang="zh-CN"/>
+              <a:t> Object </a:t>
+            </a:r>
+            <a:r>
+              <a:rPr lang="zh-CN" altLang="en-US"/>
+              <a:t>转换为 </a:t>
+            </a:r>
+            <a:r>
+              <a:rPr lang="en-US" altLang="zh-CN"/>
+              <a:t>Boolean</a:t>
+            </a:r>
+            <a:endParaRPr lang="zh-CN" altLang="en-US"/>
+          </a:p>
+          <a:p>
+            <a:pPr lvl="1" algn="l">
+              <a:buSzTx/>
+            </a:pPr>
+            <a:r>
+              <a:rPr lang="zh-CN" altLang="en-US"/>
+              <a:t> </a:t>
+            </a:r>
+            <a:r>
+              <a:rPr lang="zh-CN" altLang="en-US">
+                <a:solidFill>
+                  <a:schemeClr val="tx1"/>
+                </a:solidFill>
+                <a:cs typeface="+mn-ea"/>
+              </a:rPr>
+              <a:t>任意对象转换为布尔值为 true</a:t>
+            </a:r>
+            <a:r>
+              <a:rPr lang="zh-CN" altLang="en-US">
+                <a:solidFill>
+                  <a:schemeClr val="tx1"/>
+                </a:solidFill>
+                <a:cs typeface="+mn-ea"/>
+                <a:sym typeface="+mn-ea"/>
+              </a:rPr>
+              <a:t>，</a:t>
+            </a:r>
+            <a:r>
+              <a:rPr lang="zh-CN" altLang="en-US">
+                <a:solidFill>
+                  <a:schemeClr val="tx1"/>
+                </a:solidFill>
+                <a:cs typeface="+mn-ea"/>
+              </a:rPr>
+              <a:t>包括空对象</a:t>
+            </a:r>
+            <a:endParaRPr lang="zh-CN" altLang="en-US">
+              <a:solidFill>
+                <a:schemeClr val="tx1"/>
+              </a:solidFill>
+              <a:cs typeface="+mn-ea"/>
+            </a:endParaRPr>
+          </a:p>
+          <a:p>
+            <a:pPr lvl="1" algn="l">
+              <a:buSzTx/>
+            </a:pPr>
+            <a:r>
+              <a:rPr lang="zh-CN" altLang="en-US">
+                <a:solidFill>
+                  <a:schemeClr val="tx1"/>
+                </a:solidFill>
+                <a:cs typeface="+mn-ea"/>
+              </a:rPr>
+              <a:t> 空数组转换为布尔值为 </a:t>
+            </a:r>
+            <a:r>
+              <a:rPr lang="en-US" altLang="zh-CN">
+                <a:solidFill>
+                  <a:schemeClr val="tx1"/>
+                </a:solidFill>
+                <a:cs typeface="+mn-ea"/>
+              </a:rPr>
+              <a:t>false</a:t>
+            </a:r>
+            <a:endParaRPr lang="en-US" altLang="zh-CN">
+              <a:solidFill>
+                <a:schemeClr val="tx1"/>
+              </a:solidFill>
+              <a:cs typeface="+mn-ea"/>
+            </a:endParaRPr>
+          </a:p>
+        </p:txBody>
+      </p:sp>
+      <p:sp>
+        <p:nvSpPr>
+          <p:cNvPr id="3" name="内容占位符 2"/>
+          <p:cNvSpPr>
+            <a:spLocks noGrp="1"/>
+          </p:cNvSpPr>
+          <p:nvPr>
+            <p:ph sz="quarter" idx="11"/>
+          </p:nvPr>
+        </p:nvSpPr>
+        <p:spPr/>
+        <p:txBody>
+          <a:bodyPr/>
+          <a:p>
+            <a:r>
+              <a:rPr lang="zh-CN" dirty="0" smtClean="0">
+                <a:sym typeface="+mn-ea"/>
+              </a:rPr>
+              <a:t>数据类型转换</a:t>
+            </a:r>
+            <a:endParaRPr lang="zh-CN" altLang="en-US" dirty="0"/>
+          </a:p>
+          <a:p>
+            <a:r>
+              <a:rPr lang="zh-CN" altLang="en-US"/>
+              <a:t> </a:t>
+            </a:r>
+            <a:endParaRPr lang="zh-CN" altLang="en-US"/>
+          </a:p>
+        </p:txBody>
+      </p:sp>
+    </p:spTree>
+  </p:cSld>
+  <p:clrMapOvr>
+    <a:masterClrMapping/>
+  </p:clrMapOvr>
+  <p:transition/>
+</p:sld>
+</file>
+
+<file path=ppt/slides/slide14.xml><?xml version="1.0" encoding="utf-8"?>
+<p:sld xmlns:a="http://schemas.openxmlformats.org/drawingml/2006/main" xmlns:r="http://schemas.openxmlformats.org/officeDocument/2006/relationships" xmlns:p="http://schemas.openxmlformats.org/presentationml/2006/main">
+  <p:cSld>
+    <p:spTree>
+      <p:nvGrpSpPr>
+        <p:cNvPr id="1" name=""/>
+        <p:cNvGrpSpPr/>
+        <p:nvPr/>
+      </p:nvGrpSpPr>
+      <p:grpSpPr/>
+      <p:sp>
+        <p:nvSpPr>
           <p:cNvPr id="3" name="内容占位符 2"/>
           <p:cNvSpPr>
             <a:spLocks noGrp="1"/>
@@ -5794,7 +5993,426 @@
 </p:sld>
 </file>
 
-<file path=ppt/slides/slide14.xml><?xml version="1.0" encoding="utf-8"?>
+<file path=ppt/slides/slide15.xml><?xml version="1.0" encoding="utf-8"?>
+<p:sld xmlns:a="http://schemas.openxmlformats.org/drawingml/2006/main" xmlns:r="http://schemas.openxmlformats.org/officeDocument/2006/relationships" xmlns:p="http://schemas.openxmlformats.org/presentationml/2006/main">
+  <p:cSld>
+    <p:spTree>
+      <p:nvGrpSpPr>
+        <p:cNvPr id="1" name=""/>
+        <p:cNvGrpSpPr/>
+        <p:nvPr/>
+      </p:nvGrpSpPr>
+      <p:grpSpPr/>
+      <p:sp>
+        <p:nvSpPr>
+          <p:cNvPr id="3" name="内容占位符 2"/>
+          <p:cNvSpPr>
+            <a:spLocks noGrp="1"/>
+          </p:cNvSpPr>
+          <p:nvPr>
+            <p:ph sz="quarter" idx="11"/>
+          </p:nvPr>
+        </p:nvSpPr>
+        <p:spPr/>
+        <p:txBody>
+          <a:bodyPr/>
+          <a:p>
+            <a:r>
+              <a:rPr lang="zh-CN" altLang="en-US" dirty="0"/>
+              <a:t>总结</a:t>
+            </a:r>
+            <a:endParaRPr lang="zh-CN" altLang="en-US" dirty="0"/>
+          </a:p>
+          <a:p>
+            <a:endParaRPr lang="zh-CN" altLang="en-US"/>
+          </a:p>
+        </p:txBody>
+      </p:sp>
+      <p:pic>
+        <p:nvPicPr>
+          <p:cNvPr id="5" name="图片 4"/>
+          <p:cNvPicPr>
+            <a:picLocks noChangeAspect="1"/>
+          </p:cNvPicPr>
+          <p:nvPr>
+            <p:custDataLst>
+              <p:tags r:id="rId1"/>
+            </p:custDataLst>
+          </p:nvPr>
+        </p:nvPicPr>
+        <p:blipFill>
+          <a:blip r:embed="rId2"/>
+          <a:stretch>
+            <a:fillRect/>
+          </a:stretch>
+        </p:blipFill>
+        <p:spPr>
+          <a:xfrm>
+            <a:off x="476250" y="2569210"/>
+            <a:ext cx="6407785" cy="3586480"/>
+          </a:xfrm>
+          <a:prstGeom prst="rect">
+            <a:avLst/>
+          </a:prstGeom>
+        </p:spPr>
+      </p:pic>
+      <p:sp>
+        <p:nvSpPr>
+          <p:cNvPr id="6" name="文本框 5"/>
+          <p:cNvSpPr txBox="1"/>
+          <p:nvPr/>
+        </p:nvSpPr>
+        <p:spPr>
+          <a:xfrm>
+            <a:off x="6955790" y="1086485"/>
+            <a:ext cx="4670425" cy="4892675"/>
+          </a:xfrm>
+          <a:prstGeom prst="rect">
+            <a:avLst/>
+          </a:prstGeom>
+          <a:solidFill>
+            <a:schemeClr val="bg1"/>
+          </a:solidFill>
+        </p:spPr>
+        <p:txBody>
+          <a:bodyPr wrap="square" rtlCol="0" anchor="t">
+            <a:spAutoFit/>
+          </a:bodyPr>
+          <a:p>
+            <a:r>
+              <a:rPr lang="zh-CN" altLang="en-US" sz="2400">
+                <a:latin typeface="微软雅黑" panose="020B0503020204020204" pitchFamily="34" charset="-122"/>
+                <a:ea typeface="微软雅黑" panose="020B0503020204020204" pitchFamily="34" charset="-122"/>
+                <a:cs typeface="微软雅黑" panose="020B0503020204020204" pitchFamily="34" charset="-122"/>
+              </a:rPr>
+              <a:t>undefined == null，结果是true。且它俩与所有其他值比较的结果都是false。</a:t>
+            </a:r>
+            <a:endParaRPr lang="zh-CN" altLang="en-US" sz="2400">
+              <a:latin typeface="微软雅黑" panose="020B0503020204020204" pitchFamily="34" charset="-122"/>
+              <a:ea typeface="微软雅黑" panose="020B0503020204020204" pitchFamily="34" charset="-122"/>
+              <a:cs typeface="微软雅黑" panose="020B0503020204020204" pitchFamily="34" charset="-122"/>
+            </a:endParaRPr>
+          </a:p>
+          <a:p>
+            <a:endParaRPr lang="zh-CN" altLang="en-US" sz="2400">
+              <a:latin typeface="微软雅黑" panose="020B0503020204020204" pitchFamily="34" charset="-122"/>
+              <a:ea typeface="微软雅黑" panose="020B0503020204020204" pitchFamily="34" charset="-122"/>
+              <a:cs typeface="微软雅黑" panose="020B0503020204020204" pitchFamily="34" charset="-122"/>
+            </a:endParaRPr>
+          </a:p>
+          <a:p>
+            <a:r>
+              <a:rPr lang="zh-CN" altLang="en-US" sz="2400">
+                <a:latin typeface="微软雅黑" panose="020B0503020204020204" pitchFamily="34" charset="-122"/>
+                <a:ea typeface="微软雅黑" panose="020B0503020204020204" pitchFamily="34" charset="-122"/>
+                <a:cs typeface="微软雅黑" panose="020B0503020204020204" pitchFamily="34" charset="-122"/>
+              </a:rPr>
+              <a:t>String == Boolean，需要两个操作数同时转为Number。</a:t>
+            </a:r>
+            <a:endParaRPr lang="zh-CN" altLang="en-US" sz="2400">
+              <a:latin typeface="微软雅黑" panose="020B0503020204020204" pitchFamily="34" charset="-122"/>
+              <a:ea typeface="微软雅黑" panose="020B0503020204020204" pitchFamily="34" charset="-122"/>
+              <a:cs typeface="微软雅黑" panose="020B0503020204020204" pitchFamily="34" charset="-122"/>
+            </a:endParaRPr>
+          </a:p>
+          <a:p>
+            <a:endParaRPr lang="zh-CN" altLang="en-US" sz="2400">
+              <a:latin typeface="微软雅黑" panose="020B0503020204020204" pitchFamily="34" charset="-122"/>
+              <a:ea typeface="微软雅黑" panose="020B0503020204020204" pitchFamily="34" charset="-122"/>
+              <a:cs typeface="微软雅黑" panose="020B0503020204020204" pitchFamily="34" charset="-122"/>
+            </a:endParaRPr>
+          </a:p>
+          <a:p>
+            <a:r>
+              <a:rPr lang="zh-CN" altLang="en-US" sz="2400">
+                <a:latin typeface="微软雅黑" panose="020B0503020204020204" pitchFamily="34" charset="-122"/>
+                <a:ea typeface="微软雅黑" panose="020B0503020204020204" pitchFamily="34" charset="-122"/>
+                <a:cs typeface="微软雅黑" panose="020B0503020204020204" pitchFamily="34" charset="-122"/>
+              </a:rPr>
+              <a:t>String/Boolean == Number，需要String/Boolean转为Number。</a:t>
+            </a:r>
+            <a:endParaRPr lang="zh-CN" altLang="en-US" sz="2400">
+              <a:latin typeface="微软雅黑" panose="020B0503020204020204" pitchFamily="34" charset="-122"/>
+              <a:ea typeface="微软雅黑" panose="020B0503020204020204" pitchFamily="34" charset="-122"/>
+              <a:cs typeface="微软雅黑" panose="020B0503020204020204" pitchFamily="34" charset="-122"/>
+            </a:endParaRPr>
+          </a:p>
+          <a:p>
+            <a:endParaRPr lang="zh-CN" altLang="en-US" sz="2400">
+              <a:latin typeface="微软雅黑" panose="020B0503020204020204" pitchFamily="34" charset="-122"/>
+              <a:ea typeface="微软雅黑" panose="020B0503020204020204" pitchFamily="34" charset="-122"/>
+              <a:cs typeface="微软雅黑" panose="020B0503020204020204" pitchFamily="34" charset="-122"/>
+            </a:endParaRPr>
+          </a:p>
+          <a:p>
+            <a:r>
+              <a:rPr lang="zh-CN" altLang="en-US" sz="2400">
+                <a:latin typeface="微软雅黑" panose="020B0503020204020204" pitchFamily="34" charset="-122"/>
+                <a:ea typeface="微软雅黑" panose="020B0503020204020204" pitchFamily="34" charset="-122"/>
+                <a:cs typeface="微软雅黑" panose="020B0503020204020204" pitchFamily="34" charset="-122"/>
+              </a:rPr>
+              <a:t>Object == Primitive，需要Object转为Primitive。</a:t>
+            </a:r>
+            <a:endParaRPr lang="zh-CN" altLang="en-US" sz="2400">
+              <a:latin typeface="微软雅黑" panose="020B0503020204020204" pitchFamily="34" charset="-122"/>
+              <a:ea typeface="微软雅黑" panose="020B0503020204020204" pitchFamily="34" charset="-122"/>
+              <a:cs typeface="微软雅黑" panose="020B0503020204020204" pitchFamily="34" charset="-122"/>
+            </a:endParaRPr>
+          </a:p>
+        </p:txBody>
+      </p:sp>
+      <p:sp>
+        <p:nvSpPr>
+          <p:cNvPr id="7" name="文本框 6"/>
+          <p:cNvSpPr txBox="1"/>
+          <p:nvPr/>
+        </p:nvSpPr>
+        <p:spPr>
+          <a:xfrm>
+            <a:off x="2158365" y="335915"/>
+            <a:ext cx="6139815" cy="460375"/>
+          </a:xfrm>
+          <a:prstGeom prst="rect">
+            <a:avLst/>
+          </a:prstGeom>
+          <a:noFill/>
+        </p:spPr>
+        <p:txBody>
+          <a:bodyPr wrap="square" rtlCol="0" anchor="t">
+            <a:spAutoFit/>
+          </a:bodyPr>
+          <a:p>
+            <a:r>
+              <a:rPr lang="zh-CN" altLang="en-US" sz="2400" b="1"/>
+              <a:t>https://zhuanlan.zhihu.com/p/21650547</a:t>
+            </a:r>
+            <a:endParaRPr lang="zh-CN" altLang="en-US" sz="2400" b="1"/>
+          </a:p>
+        </p:txBody>
+      </p:sp>
+      <p:sp>
+        <p:nvSpPr>
+          <p:cNvPr id="8" name="文本框 7"/>
+          <p:cNvSpPr txBox="1"/>
+          <p:nvPr/>
+        </p:nvSpPr>
+        <p:spPr>
+          <a:xfrm>
+            <a:off x="552450" y="944880"/>
+            <a:ext cx="5870575" cy="1476375"/>
+          </a:xfrm>
+          <a:prstGeom prst="rect">
+            <a:avLst/>
+          </a:prstGeom>
+          <a:noFill/>
+        </p:spPr>
+        <p:txBody>
+          <a:bodyPr wrap="square" rtlCol="0" anchor="t">
+            <a:spAutoFit/>
+          </a:bodyPr>
+          <a:p>
+            <a:r>
+              <a:rPr lang="zh-CN" altLang="en-US">
+                <a:latin typeface="微软雅黑" panose="020B0503020204020204" pitchFamily="34" charset="-122"/>
+                <a:ea typeface="微软雅黑" panose="020B0503020204020204" pitchFamily="34" charset="-122"/>
+                <a:cs typeface="微软雅黑" panose="020B0503020204020204" pitchFamily="34" charset="-122"/>
+              </a:rPr>
+              <a:t>N表示ToNumber操作，即将操作数转为数字。可以用JS中的Number()函数来等价替代。</a:t>
+            </a:r>
+            <a:endParaRPr lang="zh-CN" altLang="en-US">
+              <a:latin typeface="微软雅黑" panose="020B0503020204020204" pitchFamily="34" charset="-122"/>
+              <a:ea typeface="微软雅黑" panose="020B0503020204020204" pitchFamily="34" charset="-122"/>
+              <a:cs typeface="微软雅黑" panose="020B0503020204020204" pitchFamily="34" charset="-122"/>
+            </a:endParaRPr>
+          </a:p>
+          <a:p>
+            <a:endParaRPr lang="zh-CN" altLang="en-US">
+              <a:latin typeface="微软雅黑" panose="020B0503020204020204" pitchFamily="34" charset="-122"/>
+              <a:ea typeface="微软雅黑" panose="020B0503020204020204" pitchFamily="34" charset="-122"/>
+              <a:cs typeface="微软雅黑" panose="020B0503020204020204" pitchFamily="34" charset="-122"/>
+            </a:endParaRPr>
+          </a:p>
+          <a:p>
+            <a:r>
+              <a:rPr lang="zh-CN" altLang="en-US">
+                <a:latin typeface="微软雅黑" panose="020B0503020204020204" pitchFamily="34" charset="-122"/>
+                <a:ea typeface="微软雅黑" panose="020B0503020204020204" pitchFamily="34" charset="-122"/>
+                <a:cs typeface="微软雅黑" panose="020B0503020204020204" pitchFamily="34" charset="-122"/>
+              </a:rPr>
+              <a:t>P表示ToPrimitive操作，即将操作数转为原始类型的值。</a:t>
+            </a:r>
+            <a:r>
+              <a:rPr lang="zh-CN" altLang="en-US">
+                <a:latin typeface="微软雅黑" panose="020B0503020204020204" pitchFamily="34" charset="-122"/>
+                <a:ea typeface="微软雅黑" panose="020B0503020204020204" pitchFamily="34" charset="-122"/>
+                <a:cs typeface="微软雅黑" panose="020B0503020204020204" pitchFamily="34" charset="-122"/>
+                <a:sym typeface="+mn-ea"/>
+              </a:rPr>
+              <a:t>具体通过valueOf和toString方法。</a:t>
+            </a:r>
+            <a:endParaRPr lang="zh-CN" altLang="en-US">
+              <a:latin typeface="微软雅黑" panose="020B0503020204020204" pitchFamily="34" charset="-122"/>
+              <a:ea typeface="微软雅黑" panose="020B0503020204020204" pitchFamily="34" charset="-122"/>
+              <a:cs typeface="微软雅黑" panose="020B0503020204020204" pitchFamily="34" charset="-122"/>
+            </a:endParaRPr>
+          </a:p>
+        </p:txBody>
+      </p:sp>
+    </p:spTree>
+  </p:cSld>
+  <p:clrMapOvr>
+    <a:masterClrMapping/>
+  </p:clrMapOvr>
+  <p:transition/>
+</p:sld>
+</file>
+
+<file path=ppt/slides/slide16.xml><?xml version="1.0" encoding="utf-8"?>
+<p:sld xmlns:a="http://schemas.openxmlformats.org/drawingml/2006/main" xmlns:r="http://schemas.openxmlformats.org/officeDocument/2006/relationships" xmlns:p="http://schemas.openxmlformats.org/presentationml/2006/main">
+  <p:cSld>
+    <p:spTree>
+      <p:nvGrpSpPr>
+        <p:cNvPr id="1" name=""/>
+        <p:cNvGrpSpPr/>
+        <p:nvPr/>
+      </p:nvGrpSpPr>
+      <p:grpSpPr/>
+      <p:sp>
+        <p:nvSpPr>
+          <p:cNvPr id="3" name="内容占位符 2"/>
+          <p:cNvSpPr>
+            <a:spLocks noGrp="1"/>
+          </p:cNvSpPr>
+          <p:nvPr>
+            <p:ph sz="quarter" idx="11"/>
+          </p:nvPr>
+        </p:nvSpPr>
+        <p:spPr/>
+        <p:txBody>
+          <a:bodyPr/>
+          <a:p>
+            <a:r>
+              <a:rPr lang="zh-CN" altLang="en-US" dirty="0"/>
+              <a:t>任务</a:t>
+            </a:r>
+            <a:endParaRPr lang="zh-CN" altLang="en-US"/>
+          </a:p>
+        </p:txBody>
+      </p:sp>
+      <p:sp>
+        <p:nvSpPr>
+          <p:cNvPr id="2" name="内容占位符 1"/>
+          <p:cNvSpPr>
+            <a:spLocks noGrp="1"/>
+          </p:cNvSpPr>
+          <p:nvPr>
+            <p:ph sz="quarter" idx="10"/>
+          </p:nvPr>
+        </p:nvSpPr>
+        <p:spPr/>
+        <p:txBody>
+          <a:bodyPr/>
+          <a:p>
+            <a:r>
+              <a:rPr lang="en-US" altLang="zh-CN"/>
+              <a:t> </a:t>
+            </a:r>
+            <a:r>
+              <a:rPr lang="zh-CN" altLang="en-US"/>
+              <a:t>阅读书籍</a:t>
+            </a:r>
+            <a:endParaRPr lang="zh-CN" altLang="en-US"/>
+          </a:p>
+          <a:p>
+            <a:pPr lvl="1"/>
+            <a:r>
+              <a:rPr lang="zh-CN" altLang="en-US"/>
+              <a:t> 《</a:t>
+            </a:r>
+            <a:r>
+              <a:rPr lang="en-US" altLang="zh-CN"/>
+              <a:t>javascript</a:t>
+            </a:r>
+            <a:r>
+              <a:rPr lang="zh-CN" altLang="en-US"/>
+              <a:t>权威指南》第三章</a:t>
+            </a:r>
+            <a:endParaRPr lang="zh-CN" altLang="en-US"/>
+          </a:p>
+          <a:p>
+            <a:pPr lvl="1"/>
+            <a:r>
+              <a:rPr lang="zh-CN" altLang="en-US">
+                <a:sym typeface="+mn-ea"/>
+              </a:rPr>
+              <a:t> 《</a:t>
+            </a:r>
+            <a:r>
+              <a:rPr lang="zh-CN">
+                <a:sym typeface="+mn-ea"/>
+              </a:rPr>
+              <a:t>深入理解</a:t>
+            </a:r>
+            <a:r>
+              <a:rPr lang="en-US" altLang="zh-CN">
+                <a:sym typeface="+mn-ea"/>
+              </a:rPr>
+              <a:t>JavaScript</a:t>
+            </a:r>
+            <a:r>
+              <a:rPr lang="zh-CN" altLang="en-US">
+                <a:sym typeface="+mn-ea"/>
+              </a:rPr>
+              <a:t>》第八章</a:t>
+            </a:r>
+            <a:endParaRPr lang="zh-CN" altLang="en-US"/>
+          </a:p>
+          <a:p>
+            <a:pPr lvl="0"/>
+            <a:r>
+              <a:rPr lang="zh-CN" altLang="en-US" sz="2800"/>
+              <a:t> 总结相关知识点</a:t>
+            </a:r>
+            <a:endParaRPr lang="zh-CN" altLang="en-US" sz="2800"/>
+          </a:p>
+          <a:p>
+            <a:pPr lvl="0"/>
+            <a:r>
+              <a:rPr lang="zh-CN" altLang="en-US" sz="2800"/>
+              <a:t> 上传总结到 </a:t>
+            </a:r>
+            <a:r>
+              <a:rPr lang="en-US" altLang="zh-CN">
+                <a:sym typeface="+mn-ea"/>
+              </a:rPr>
+              <a:t>javascript-advanced-summary </a:t>
+            </a:r>
+            <a:r>
+              <a:rPr lang="zh-CN" altLang="en-US">
+                <a:sym typeface="+mn-ea"/>
+              </a:rPr>
+              <a:t>仓库</a:t>
+            </a:r>
+            <a:endParaRPr lang="en-US" altLang="zh-CN"/>
+          </a:p>
+          <a:p>
+            <a:pPr marL="168275" lvl="1" indent="0">
+              <a:buNone/>
+            </a:pPr>
+            <a:endParaRPr lang="en-US" altLang="zh-CN"/>
+          </a:p>
+        </p:txBody>
+      </p:sp>
+    </p:spTree>
+  </p:cSld>
+  <p:clrMapOvr>
+    <a:masterClrMapping/>
+  </p:clrMapOvr>
+  <p:transition/>
+</p:sld>
+</file>
+
+<file path=ppt/slides/slide17.xml><?xml version="1.0" encoding="utf-8"?>
 <p:sld xmlns:a="http://schemas.openxmlformats.org/drawingml/2006/main" xmlns:r="http://schemas.openxmlformats.org/officeDocument/2006/relationships" xmlns:p="http://schemas.openxmlformats.org/presentationml/2006/main">
   <p:cSld>
     <p:spTree>
@@ -8473,62 +9091,10 @@
             </a:endParaRPr>
           </a:p>
           <a:p>
-            <a:pPr lvl="0"/>
-            <a:r>
-              <a:rPr lang="zh-CN" altLang="en-US"/>
-              <a:t> </a:t>
-            </a:r>
-            <a:r>
-              <a:rPr lang="en-US" altLang="zh-CN"/>
-              <a:t>Object </a:t>
-            </a:r>
-            <a:r>
-              <a:rPr lang="zh-CN" altLang="en-US"/>
-              <a:t>转换为 </a:t>
-            </a:r>
-            <a:r>
-              <a:rPr lang="en-US" altLang="zh-CN"/>
-              <a:t>Boolean</a:t>
-            </a:r>
-            <a:endParaRPr lang="zh-CN" altLang="en-US"/>
-          </a:p>
-          <a:p>
-            <a:pPr lvl="1" algn="l">
-              <a:buSzTx/>
+            <a:pPr lvl="0">
+              <a:buNone/>
             </a:pPr>
-            <a:r>
-              <a:rPr lang="zh-CN" altLang="en-US"/>
-              <a:t> </a:t>
-            </a:r>
-            <a:r>
-              <a:rPr lang="zh-CN" altLang="en-US">
-                <a:solidFill>
-                  <a:schemeClr val="tx1"/>
-                </a:solidFill>
-                <a:cs typeface="+mn-ea"/>
-              </a:rPr>
-              <a:t>任意对象转换为布尔值为 true</a:t>
-            </a:r>
-            <a:r>
-              <a:rPr lang="zh-CN" altLang="en-US">
-                <a:solidFill>
-                  <a:schemeClr val="tx1"/>
-                </a:solidFill>
-                <a:cs typeface="+mn-ea"/>
-                <a:sym typeface="+mn-ea"/>
-              </a:rPr>
-              <a:t>，</a:t>
-            </a:r>
-            <a:r>
-              <a:rPr lang="zh-CN" altLang="en-US">
-                <a:solidFill>
-                  <a:schemeClr val="tx1"/>
-                </a:solidFill>
-                <a:cs typeface="+mn-ea"/>
-              </a:rPr>
-              <a:t>包括空对象</a:t>
-            </a:r>
-            <a:endParaRPr lang="zh-CN" altLang="en-US">
+            <a:endParaRPr lang="en-US" altLang="zh-CN">
               <a:solidFill>
                 <a:schemeClr val="tx1"/>
               </a:solidFill>
@@ -8575,6 +9141,13 @@
   </p:clrMapOvr>
   <p:transition/>
 </p:sld>
+</file>
+
+<file path=ppt/tags/tag1.xml><?xml version="1.0" encoding="utf-8"?>
+<p:tagLst xmlns:p="http://schemas.openxmlformats.org/presentationml/2006/main">
+  <p:tag name="REFSHAPE" val="431643116"/>
+  <p:tag name="KSO_WM_UNIT_PLACING_PICTURE_USER_VIEWPORT" val="{&quot;height&quot;:7596,&quot;width&quot;:13572}"/>
+</p:tagLst>
 </file>
 
 <file path=ppt/theme/theme1.xml><?xml version="1.0" encoding="utf-8"?>
